--- a/238657_prezentacja.pptx
+++ b/238657_prezentacja.pptx
@@ -5,10 +5,10 @@
     <p:sldMasterId id="2147483649" r:id="rId1"/>
   </p:sldMasterIdLst>
   <p:notesMasterIdLst>
-    <p:notesMasterId r:id="rId22"/>
+    <p:notesMasterId r:id="rId21"/>
   </p:notesMasterIdLst>
   <p:handoutMasterIdLst>
-    <p:handoutMasterId r:id="rId23"/>
+    <p:handoutMasterId r:id="rId22"/>
   </p:handoutMasterIdLst>
   <p:sldIdLst>
     <p:sldId id="258" r:id="rId2"/>
@@ -18,19 +18,18 @@
     <p:sldId id="270" r:id="rId6"/>
     <p:sldId id="271" r:id="rId7"/>
     <p:sldId id="277" r:id="rId8"/>
-    <p:sldId id="272" r:id="rId9"/>
-    <p:sldId id="273" r:id="rId10"/>
-    <p:sldId id="276" r:id="rId11"/>
-    <p:sldId id="278" r:id="rId12"/>
-    <p:sldId id="274" r:id="rId13"/>
-    <p:sldId id="275" r:id="rId14"/>
-    <p:sldId id="279" r:id="rId15"/>
-    <p:sldId id="280" r:id="rId16"/>
-    <p:sldId id="281" r:id="rId17"/>
-    <p:sldId id="282" r:id="rId18"/>
-    <p:sldId id="283" r:id="rId19"/>
-    <p:sldId id="284" r:id="rId20"/>
-    <p:sldId id="285" r:id="rId21"/>
+    <p:sldId id="286" r:id="rId9"/>
+    <p:sldId id="272" r:id="rId10"/>
+    <p:sldId id="278" r:id="rId11"/>
+    <p:sldId id="274" r:id="rId12"/>
+    <p:sldId id="275" r:id="rId13"/>
+    <p:sldId id="279" r:id="rId14"/>
+    <p:sldId id="280" r:id="rId15"/>
+    <p:sldId id="281" r:id="rId16"/>
+    <p:sldId id="283" r:id="rId17"/>
+    <p:sldId id="284" r:id="rId18"/>
+    <p:sldId id="287" r:id="rId19"/>
+    <p:sldId id="285" r:id="rId20"/>
   </p:sldIdLst>
   <p:sldSz cx="9144000" cy="6858000" type="screen4x3"/>
   <p:notesSz cx="6797675" cy="9926638"/>
@@ -282,7 +281,7 @@
               <a:pPr>
                 <a:defRPr/>
               </a:pPr>
-              <a:t>14.06.2020</a:t>
+              <a:t>06.07.2020</a:t>
             </a:fld>
             <a:endParaRPr lang="pl-PL"/>
           </a:p>
@@ -378,6 +377,11 @@
         </p:txBody>
       </p:sp>
     </p:spTree>
+    <p:extLst>
+      <p:ext uri="{BB962C8B-B14F-4D97-AF65-F5344CB8AC3E}">
+        <p14:creationId xmlns:p14="http://schemas.microsoft.com/office/powerpoint/2010/main" val="1"/>
+      </p:ext>
+    </p:extLst>
   </p:cSld>
   <p:clrMap bg1="lt1" tx1="dk1" bg2="lt2" tx2="dk2" accent1="accent1" accent2="accent2" accent3="accent3" accent4="accent4" accent5="accent5" accent6="accent6" hlink="hlink" folHlink="folHlink"/>
 </p:handoutMaster>
@@ -495,7 +499,7 @@
               <a:pPr>
                 <a:defRPr/>
               </a:pPr>
-              <a:t>14.06.2020</a:t>
+              <a:t>06.07.2020</a:t>
             </a:fld>
             <a:endParaRPr lang="pl-PL"/>
           </a:p>
@@ -6617,49 +6621,63 @@
             <a:pPr marL="0" indent="0">
               <a:buNone/>
             </a:pPr>
+            <a:r>
+              <a:rPr lang="pl-PL" dirty="0"/>
+              <a:t>Sieci rekurencyjne zostały stworzone z myślą o pracy z sekwencjami danych.</a:t>
+            </a:r>
+          </a:p>
+          <a:p>
+            <a:pPr marL="0" indent="0">
+              <a:buNone/>
+            </a:pPr>
             <a:endParaRPr lang="pl-PL" dirty="0"/>
           </a:p>
           <a:p>
             <a:pPr marL="0" indent="0">
               <a:buNone/>
             </a:pPr>
-            <a:endParaRPr lang="pl-PL" dirty="0"/>
-          </a:p>
-          <a:p>
-            <a:pPr marL="0" indent="0">
-              <a:buNone/>
-            </a:pPr>
-            <a:endParaRPr lang="pl-PL" altLang="en-PL" dirty="0"/>
-          </a:p>
-          <a:p>
-            <a:pPr marL="0" indent="0">
-              <a:buNone/>
-            </a:pPr>
-            <a:endParaRPr lang="pl-PL" altLang="en-PL" dirty="0"/>
-          </a:p>
-          <a:p>
-            <a:pPr marL="0" indent="0">
-              <a:buNone/>
-            </a:pPr>
-            <a:endParaRPr lang="pl-PL" altLang="en-PL" dirty="0"/>
-          </a:p>
-          <a:p>
-            <a:pPr marL="0" indent="0">
-              <a:buNone/>
-            </a:pPr>
-            <a:endParaRPr lang="pl-PL" altLang="en-PL" dirty="0"/>
-          </a:p>
-          <a:p>
-            <a:pPr marL="0" indent="0">
-              <a:buNone/>
-            </a:pPr>
-            <a:endParaRPr lang="pl-PL" altLang="en-PL" dirty="0"/>
-          </a:p>
-          <a:p>
-            <a:pPr marL="0" indent="0">
-              <a:buNone/>
-            </a:pPr>
-            <a:endParaRPr lang="pl-PL" altLang="en-PL" dirty="0"/>
+            <a:endParaRPr lang="pl-PL" altLang="en-PL" dirty="0"/>
+          </a:p>
+          <a:p>
+            <a:pPr marL="0" indent="0">
+              <a:buNone/>
+            </a:pPr>
+            <a:endParaRPr lang="pl-PL" altLang="en-PL" dirty="0"/>
+          </a:p>
+          <a:p>
+            <a:pPr marL="0" indent="0">
+              <a:buNone/>
+            </a:pPr>
+            <a:endParaRPr lang="pl-PL" altLang="en-PL" dirty="0"/>
+          </a:p>
+          <a:p>
+            <a:pPr marL="0" indent="0">
+              <a:buNone/>
+            </a:pPr>
+            <a:endParaRPr lang="pl-PL" altLang="en-PL" dirty="0"/>
+          </a:p>
+          <a:p>
+            <a:pPr marL="0" indent="0">
+              <a:buNone/>
+            </a:pPr>
+            <a:endParaRPr lang="pl-PL" altLang="en-PL" dirty="0"/>
+          </a:p>
+          <a:p>
+            <a:pPr marL="0" indent="0">
+              <a:buNone/>
+            </a:pPr>
+            <a:r>
+              <a:rPr lang="pl-PL" altLang="en-PL" sz="2400" dirty="0"/>
+              <a:t>          Klasyczna komórka	</a:t>
+            </a:r>
+            <a:r>
+              <a:rPr lang="pl-PL" altLang="en-PL" dirty="0"/>
+              <a:t>	    </a:t>
+            </a:r>
+            <a:r>
+              <a:rPr lang="pl-PL" altLang="en-PL" sz="2400" dirty="0"/>
+              <a:t>Komórka LSTM</a:t>
+            </a:r>
           </a:p>
           <a:p>
             <a:pPr marL="0" indent="0">
@@ -6749,17 +6767,17 @@
           <a:p>
             <a:r>
               <a:rPr lang="en-PL" sz="3200" dirty="0"/>
-              <a:t>Sieci rekurencyjne – zanikające gradienty</a:t>
+              <a:t>Sieci rekurencyjne</a:t>
             </a:r>
           </a:p>
         </p:txBody>
       </p:sp>
       <p:pic>
         <p:nvPicPr>
-          <p:cNvPr id="6" name="Picture 5" descr="A picture containing knife, table&#10;&#10;Description automatically generated">
+          <p:cNvPr id="5" name="Picture 4" descr="A close up of a clock&#10;&#10;Description automatically generated">
             <a:extLst>
               <a:ext uri="{FF2B5EF4-FFF2-40B4-BE49-F238E27FC236}">
-                <a16:creationId xmlns:a16="http://schemas.microsoft.com/office/drawing/2014/main" id="{99CE897C-21BF-1843-B77F-C66FB25EE2FD}"/>
+                <a16:creationId xmlns:a16="http://schemas.microsoft.com/office/drawing/2014/main" id="{AA723C9E-FB19-0448-95BC-AB0CE3FCCD70}"/>
               </a:ext>
             </a:extLst>
           </p:cNvPr>
@@ -6780,8 +6798,42 @@
         </p:blipFill>
         <p:spPr>
           <a:xfrm>
-            <a:off x="1230153" y="1454986"/>
-            <a:ext cx="6683693" cy="4158392"/>
+            <a:off x="4882294" y="2780928"/>
+            <a:ext cx="3994812" cy="2382520"/>
+          </a:xfrm>
+          <a:prstGeom prst="rect">
+            <a:avLst/>
+          </a:prstGeom>
+        </p:spPr>
+      </p:pic>
+      <p:pic>
+        <p:nvPicPr>
+          <p:cNvPr id="6" name="Picture 5" descr="A close up of a sign&#10;&#10;Description automatically generated">
+            <a:extLst>
+              <a:ext uri="{FF2B5EF4-FFF2-40B4-BE49-F238E27FC236}">
+                <a16:creationId xmlns:a16="http://schemas.microsoft.com/office/drawing/2014/main" id="{EC322EC9-AEA6-B44A-999C-FBFF7647237B}"/>
+              </a:ext>
+            </a:extLst>
+          </p:cNvPr>
+          <p:cNvPicPr/>
+          <p:nvPr/>
+        </p:nvPicPr>
+        <p:blipFill>
+          <a:blip r:embed="rId3">
+            <a:extLst>
+              <a:ext uri="{28A0092B-C50C-407E-A947-70E740481C1C}">
+                <a14:useLocalDpi xmlns:a14="http://schemas.microsoft.com/office/drawing/2010/main" val="0"/>
+              </a:ext>
+            </a:extLst>
+          </a:blip>
+          <a:stretch>
+            <a:fillRect/>
+          </a:stretch>
+        </p:blipFill>
+        <p:spPr>
+          <a:xfrm>
+            <a:off x="755650" y="2780928"/>
+            <a:ext cx="3806190" cy="2382520"/>
           </a:xfrm>
           <a:prstGeom prst="rect">
             <a:avLst/>
@@ -6791,7 +6843,7 @@
     </p:spTree>
     <p:extLst>
       <p:ext uri="{BB962C8B-B14F-4D97-AF65-F5344CB8AC3E}">
-        <p14:creationId xmlns:p14="http://schemas.microsoft.com/office/powerpoint/2010/main" val="3850682517"/>
+        <p14:creationId xmlns:p14="http://schemas.microsoft.com/office/powerpoint/2010/main" val="2239430505"/>
       </p:ext>
     </p:extLst>
   </p:cSld>
@@ -6851,8 +6903,12 @@
               <a:buNone/>
             </a:pPr>
             <a:r>
+              <a:rPr lang="pl-PL" u="sng" dirty="0"/>
+              <a:t>Autoenkoder</a:t>
+            </a:r>
+            <a:r>
               <a:rPr lang="pl-PL" dirty="0"/>
-              <a:t>Sieci rekurencyjne uzupełnione dodatkowy stan pamięci oraz tzw. bramki w celu umożliwienia pracy na długich sekwencjach</a:t>
+              <a:t> – rodzaj sieci neuronowej, której zadaniem jest rekonstrukcja otrzymanych danych wejściowych.</a:t>
             </a:r>
           </a:p>
           <a:p>
@@ -6865,48 +6921,49 @@
             <a:pPr marL="0" indent="0">
               <a:buNone/>
             </a:pPr>
-            <a:endParaRPr lang="pl-PL" altLang="en-PL" dirty="0"/>
-          </a:p>
-          <a:p>
-            <a:pPr marL="0" indent="0">
-              <a:buNone/>
-            </a:pPr>
-            <a:endParaRPr lang="pl-PL" altLang="en-PL" dirty="0"/>
-          </a:p>
-          <a:p>
-            <a:pPr marL="0" indent="0">
-              <a:buNone/>
-            </a:pPr>
-            <a:endParaRPr lang="pl-PL" altLang="en-PL" dirty="0"/>
-          </a:p>
-          <a:p>
-            <a:pPr marL="0" indent="0">
-              <a:buNone/>
-            </a:pPr>
-            <a:endParaRPr lang="pl-PL" altLang="en-PL" dirty="0"/>
-          </a:p>
-          <a:p>
-            <a:pPr marL="0" indent="0">
-              <a:buNone/>
-            </a:pPr>
-            <a:endParaRPr lang="pl-PL" altLang="en-PL" dirty="0"/>
-          </a:p>
-          <a:p>
-            <a:pPr marL="0" indent="0">
-              <a:buNone/>
-            </a:pPr>
-            <a:r>
-              <a:rPr lang="pl-PL" altLang="en-PL" sz="2400" dirty="0"/>
-              <a:t>          Klasyczna komórka	</a:t>
-            </a:r>
-            <a:r>
-              <a:rPr lang="pl-PL" altLang="en-PL" dirty="0"/>
-              <a:t>	    </a:t>
-            </a:r>
-            <a:r>
-              <a:rPr lang="pl-PL" altLang="en-PL" sz="2400" dirty="0"/>
-              <a:t>Komórka LSTM</a:t>
-            </a:r>
+            <a:endParaRPr lang="pl-PL" dirty="0"/>
+          </a:p>
+          <a:p>
+            <a:pPr marL="0" indent="0">
+              <a:buNone/>
+            </a:pPr>
+            <a:endParaRPr lang="pl-PL" dirty="0"/>
+          </a:p>
+          <a:p>
+            <a:pPr marL="0" indent="0">
+              <a:buNone/>
+            </a:pPr>
+            <a:endParaRPr lang="pl-PL" altLang="en-PL" dirty="0"/>
+          </a:p>
+          <a:p>
+            <a:pPr marL="0" indent="0">
+              <a:buNone/>
+            </a:pPr>
+            <a:endParaRPr lang="pl-PL" altLang="en-PL" dirty="0"/>
+          </a:p>
+          <a:p>
+            <a:pPr marL="0" indent="0">
+              <a:buNone/>
+            </a:pPr>
+            <a:endParaRPr lang="pl-PL" altLang="en-PL" dirty="0"/>
+          </a:p>
+          <a:p>
+            <a:pPr marL="0" indent="0">
+              <a:buNone/>
+            </a:pPr>
+            <a:endParaRPr lang="pl-PL" altLang="en-PL" dirty="0"/>
+          </a:p>
+          <a:p>
+            <a:pPr marL="0" indent="0">
+              <a:buNone/>
+            </a:pPr>
+            <a:endParaRPr lang="pl-PL" altLang="en-PL" dirty="0"/>
+          </a:p>
+          <a:p>
+            <a:pPr marL="0" indent="0">
+              <a:buNone/>
+            </a:pPr>
+            <a:endParaRPr lang="pl-PL" altLang="en-PL" dirty="0"/>
           </a:p>
           <a:p>
             <a:pPr marL="0" indent="0">
@@ -6996,293 +7053,7 @@
           <a:p>
             <a:r>
               <a:rPr lang="en-PL" sz="3200" dirty="0"/>
-              <a:t>Sieci Long Short Term Memory (LSTM)</a:t>
-            </a:r>
-          </a:p>
-        </p:txBody>
-      </p:sp>
-      <p:pic>
-        <p:nvPicPr>
-          <p:cNvPr id="5" name="Picture 4" descr="A close up of a clock&#10;&#10;Description automatically generated">
-            <a:extLst>
-              <a:ext uri="{FF2B5EF4-FFF2-40B4-BE49-F238E27FC236}">
-                <a16:creationId xmlns:a16="http://schemas.microsoft.com/office/drawing/2014/main" id="{AA723C9E-FB19-0448-95BC-AB0CE3FCCD70}"/>
-              </a:ext>
-            </a:extLst>
-          </p:cNvPr>
-          <p:cNvPicPr/>
-          <p:nvPr/>
-        </p:nvPicPr>
-        <p:blipFill>
-          <a:blip r:embed="rId2">
-            <a:extLst>
-              <a:ext uri="{28A0092B-C50C-407E-A947-70E740481C1C}">
-                <a14:useLocalDpi xmlns:a14="http://schemas.microsoft.com/office/drawing/2010/main" val="0"/>
-              </a:ext>
-            </a:extLst>
-          </a:blip>
-          <a:stretch>
-            <a:fillRect/>
-          </a:stretch>
-        </p:blipFill>
-        <p:spPr>
-          <a:xfrm>
-            <a:off x="4882294" y="3087943"/>
-            <a:ext cx="3994812" cy="2382520"/>
-          </a:xfrm>
-          <a:prstGeom prst="rect">
-            <a:avLst/>
-          </a:prstGeom>
-        </p:spPr>
-      </p:pic>
-      <p:pic>
-        <p:nvPicPr>
-          <p:cNvPr id="6" name="Picture 5" descr="A close up of a sign&#10;&#10;Description automatically generated">
-            <a:extLst>
-              <a:ext uri="{FF2B5EF4-FFF2-40B4-BE49-F238E27FC236}">
-                <a16:creationId xmlns:a16="http://schemas.microsoft.com/office/drawing/2014/main" id="{EC322EC9-AEA6-B44A-999C-FBFF7647237B}"/>
-              </a:ext>
-            </a:extLst>
-          </p:cNvPr>
-          <p:cNvPicPr/>
-          <p:nvPr/>
-        </p:nvPicPr>
-        <p:blipFill>
-          <a:blip r:embed="rId3">
-            <a:extLst>
-              <a:ext uri="{28A0092B-C50C-407E-A947-70E740481C1C}">
-                <a14:useLocalDpi xmlns:a14="http://schemas.microsoft.com/office/drawing/2010/main" val="0"/>
-              </a:ext>
-            </a:extLst>
-          </a:blip>
-          <a:stretch>
-            <a:fillRect/>
-          </a:stretch>
-        </p:blipFill>
-        <p:spPr>
-          <a:xfrm>
-            <a:off x="755650" y="3087943"/>
-            <a:ext cx="3806190" cy="2382520"/>
-          </a:xfrm>
-          <a:prstGeom prst="rect">
-            <a:avLst/>
-          </a:prstGeom>
-        </p:spPr>
-      </p:pic>
-    </p:spTree>
-    <p:extLst>
-      <p:ext uri="{BB962C8B-B14F-4D97-AF65-F5344CB8AC3E}">
-        <p14:creationId xmlns:p14="http://schemas.microsoft.com/office/powerpoint/2010/main" val="2239430505"/>
-      </p:ext>
-    </p:extLst>
-  </p:cSld>
-  <p:clrMapOvr>
-    <a:masterClrMapping/>
-  </p:clrMapOvr>
-  <p:transition>
-    <p:randomBar/>
-  </p:transition>
-</p:sld>
-</file>
-
-<file path=ppt/slides/slide12.xml><?xml version="1.0" encoding="utf-8"?>
-<p:sld xmlns:a="http://schemas.openxmlformats.org/drawingml/2006/main" xmlns:r="http://schemas.openxmlformats.org/officeDocument/2006/relationships" xmlns:p="http://schemas.openxmlformats.org/presentationml/2006/main">
-  <p:cSld>
-    <p:spTree>
-      <p:nvGrpSpPr>
-        <p:cNvPr id="1" name=""/>
-        <p:cNvGrpSpPr/>
-        <p:nvPr/>
-      </p:nvGrpSpPr>
-      <p:grpSpPr>
-        <a:xfrm>
-          <a:off x="0" y="0"/>
-          <a:ext cx="0" cy="0"/>
-          <a:chOff x="0" y="0"/>
-          <a:chExt cx="0" cy="0"/>
-        </a:xfrm>
-      </p:grpSpPr>
-      <p:sp>
-        <p:nvSpPr>
-          <p:cNvPr id="14338" name="Symbol zastępczy zawartości 1">
-            <a:extLst>
-              <a:ext uri="{FF2B5EF4-FFF2-40B4-BE49-F238E27FC236}">
-                <a16:creationId xmlns:a16="http://schemas.microsoft.com/office/drawing/2014/main" id="{484EB451-4A34-6543-B91C-7EC8B29A3A0B}"/>
-              </a:ext>
-            </a:extLst>
-          </p:cNvPr>
-          <p:cNvSpPr>
-            <a:spLocks noGrp="1"/>
-          </p:cNvSpPr>
-          <p:nvPr>
-            <p:ph sz="half" idx="1"/>
-          </p:nvPr>
-        </p:nvSpPr>
-        <p:spPr>
-          <a:xfrm>
-            <a:off x="755650" y="1268760"/>
-            <a:ext cx="8262938" cy="5256212"/>
-          </a:xfrm>
-        </p:spPr>
-        <p:txBody>
-          <a:bodyPr/>
-          <a:lstStyle/>
-          <a:p>
-            <a:pPr marL="0" indent="0">
-              <a:buNone/>
-            </a:pPr>
-            <a:r>
-              <a:rPr lang="pl-PL" u="sng" dirty="0"/>
-              <a:t>Autoenkoder</a:t>
-            </a:r>
-            <a:r>
-              <a:rPr lang="pl-PL" dirty="0"/>
-              <a:t> – rodzaj sieci neuronowej, której zadaniem jest rekonstrukcja otrzymanych danych wejściowych.</a:t>
-            </a:r>
-          </a:p>
-          <a:p>
-            <a:pPr marL="0" indent="0">
-              <a:buNone/>
-            </a:pPr>
-            <a:endParaRPr lang="pl-PL" dirty="0"/>
-          </a:p>
-          <a:p>
-            <a:pPr marL="0" indent="0">
-              <a:buNone/>
-            </a:pPr>
-            <a:endParaRPr lang="pl-PL" dirty="0"/>
-          </a:p>
-          <a:p>
-            <a:pPr marL="0" indent="0">
-              <a:buNone/>
-            </a:pPr>
-            <a:endParaRPr lang="pl-PL" dirty="0"/>
-          </a:p>
-          <a:p>
-            <a:pPr marL="0" indent="0">
-              <a:buNone/>
-            </a:pPr>
-            <a:endParaRPr lang="pl-PL" altLang="en-PL" dirty="0"/>
-          </a:p>
-          <a:p>
-            <a:pPr marL="0" indent="0">
-              <a:buNone/>
-            </a:pPr>
-            <a:endParaRPr lang="pl-PL" altLang="en-PL" dirty="0"/>
-          </a:p>
-          <a:p>
-            <a:pPr marL="0" indent="0">
-              <a:buNone/>
-            </a:pPr>
-            <a:endParaRPr lang="pl-PL" altLang="en-PL" dirty="0"/>
-          </a:p>
-          <a:p>
-            <a:pPr marL="0" indent="0">
-              <a:buNone/>
-            </a:pPr>
-            <a:endParaRPr lang="pl-PL" altLang="en-PL" dirty="0"/>
-          </a:p>
-          <a:p>
-            <a:pPr marL="0" indent="0">
-              <a:buNone/>
-            </a:pPr>
-            <a:endParaRPr lang="pl-PL" altLang="en-PL" dirty="0"/>
-          </a:p>
-          <a:p>
-            <a:pPr marL="0" indent="0">
-              <a:buNone/>
-            </a:pPr>
-            <a:endParaRPr lang="pl-PL" altLang="en-PL" dirty="0"/>
-          </a:p>
-          <a:p>
-            <a:pPr marL="0" indent="0">
-              <a:buNone/>
-            </a:pPr>
-            <a:endParaRPr lang="pl-PL" altLang="en-PL" dirty="0"/>
-          </a:p>
-          <a:p>
-            <a:pPr marL="0" indent="0">
-              <a:buNone/>
-            </a:pPr>
-            <a:endParaRPr lang="pl-PL" altLang="en-PL" dirty="0"/>
-          </a:p>
-          <a:p>
-            <a:pPr marL="0" indent="0">
-              <a:buNone/>
-            </a:pPr>
-            <a:endParaRPr lang="pl-PL" altLang="en-PL" dirty="0"/>
-          </a:p>
-          <a:p>
-            <a:pPr>
-              <a:buFontTx/>
-              <a:buChar char="-"/>
-            </a:pPr>
-            <a:endParaRPr lang="pl-PL" altLang="en-PL" dirty="0"/>
-          </a:p>
-          <a:p>
-            <a:pPr marL="0" indent="0">
-              <a:buNone/>
-            </a:pPr>
-            <a:endParaRPr lang="pl-PL" altLang="en-PL" dirty="0"/>
-          </a:p>
-          <a:p>
-            <a:pPr>
-              <a:buFontTx/>
-              <a:buChar char="-"/>
-            </a:pPr>
-            <a:endParaRPr lang="pl-PL" altLang="en-PL" dirty="0"/>
-          </a:p>
-          <a:p>
-            <a:pPr>
-              <a:buFontTx/>
-              <a:buChar char="-"/>
-            </a:pPr>
-            <a:endParaRPr lang="pl-PL" altLang="en-PL" dirty="0"/>
-          </a:p>
-          <a:p>
-            <a:pPr marL="0" indent="0">
-              <a:buNone/>
-            </a:pPr>
-            <a:endParaRPr lang="en-PL" altLang="en-PL" dirty="0"/>
-          </a:p>
-          <a:p>
-            <a:pPr>
-              <a:buFontTx/>
-              <a:buChar char="-"/>
-            </a:pPr>
-            <a:endParaRPr lang="en-PL" altLang="en-PL" dirty="0"/>
-          </a:p>
-        </p:txBody>
-      </p:sp>
-      <p:sp>
-        <p:nvSpPr>
-          <p:cNvPr id="14340" name="Symbol zastępczy tekstu 3">
-            <a:extLst>
-              <a:ext uri="{FF2B5EF4-FFF2-40B4-BE49-F238E27FC236}">
-                <a16:creationId xmlns:a16="http://schemas.microsoft.com/office/drawing/2014/main" id="{9DB6F90B-FF05-A640-BDE1-4B0DEAFAA437}"/>
-              </a:ext>
-            </a:extLst>
-          </p:cNvPr>
-          <p:cNvSpPr>
-            <a:spLocks noGrp="1"/>
-          </p:cNvSpPr>
-          <p:nvPr>
-            <p:ph type="body" idx="11"/>
-          </p:nvPr>
-        </p:nvSpPr>
-        <p:spPr>
-          <a:xfrm>
-            <a:off x="739713" y="333028"/>
-            <a:ext cx="8285163" cy="863600"/>
-          </a:xfrm>
-        </p:spPr>
-        <p:txBody>
-          <a:bodyPr/>
-          <a:lstStyle/>
-          <a:p>
-            <a:r>
-              <a:rPr lang="en-PL" sz="3200" dirty="0"/>
-              <a:t>4.2 Autoenkodery</a:t>
+              <a:t>Autoenkodery</a:t>
             </a:r>
           </a:p>
         </p:txBody>
@@ -7339,7 +7110,7 @@
 </p:sld>
 </file>
 
-<file path=ppt/slides/slide13.xml><?xml version="1.0" encoding="utf-8"?>
+<file path=ppt/slides/slide12.xml><?xml version="1.0" encoding="utf-8"?>
 <p:sld xmlns:a="http://schemas.openxmlformats.org/drawingml/2006/main" xmlns:r="http://schemas.openxmlformats.org/officeDocument/2006/relationships" xmlns:p="http://schemas.openxmlformats.org/presentationml/2006/main">
   <p:cSld>
     <p:spTree>
@@ -7616,6 +7387,235 @@
     <p:extLst>
       <p:ext uri="{BB962C8B-B14F-4D97-AF65-F5344CB8AC3E}">
         <p14:creationId xmlns:p14="http://schemas.microsoft.com/office/powerpoint/2010/main" val="1211378088"/>
+      </p:ext>
+    </p:extLst>
+  </p:cSld>
+  <p:clrMapOvr>
+    <a:masterClrMapping/>
+  </p:clrMapOvr>
+  <p:transition>
+    <p:randomBar/>
+  </p:transition>
+</p:sld>
+</file>
+
+<file path=ppt/slides/slide13.xml><?xml version="1.0" encoding="utf-8"?>
+<p:sld xmlns:a="http://schemas.openxmlformats.org/drawingml/2006/main" xmlns:r="http://schemas.openxmlformats.org/officeDocument/2006/relationships" xmlns:p="http://schemas.openxmlformats.org/presentationml/2006/main">
+  <p:cSld>
+    <p:spTree>
+      <p:nvGrpSpPr>
+        <p:cNvPr id="1" name=""/>
+        <p:cNvGrpSpPr/>
+        <p:nvPr/>
+      </p:nvGrpSpPr>
+      <p:grpSpPr>
+        <a:xfrm>
+          <a:off x="0" y="0"/>
+          <a:ext cx="0" cy="0"/>
+          <a:chOff x="0" y="0"/>
+          <a:chExt cx="0" cy="0"/>
+        </a:xfrm>
+      </p:grpSpPr>
+      <p:sp>
+        <p:nvSpPr>
+          <p:cNvPr id="14338" name="Symbol zastępczy zawartości 1">
+            <a:extLst>
+              <a:ext uri="{FF2B5EF4-FFF2-40B4-BE49-F238E27FC236}">
+                <a16:creationId xmlns:a16="http://schemas.microsoft.com/office/drawing/2014/main" id="{484EB451-4A34-6543-B91C-7EC8B29A3A0B}"/>
+              </a:ext>
+            </a:extLst>
+          </p:cNvPr>
+          <p:cNvSpPr>
+            <a:spLocks noGrp="1"/>
+          </p:cNvSpPr>
+          <p:nvPr>
+            <p:ph sz="half" idx="1"/>
+          </p:nvPr>
+        </p:nvSpPr>
+        <p:spPr>
+          <a:xfrm>
+            <a:off x="755650" y="1268760"/>
+            <a:ext cx="8262938" cy="5256212"/>
+          </a:xfrm>
+        </p:spPr>
+        <p:txBody>
+          <a:bodyPr/>
+          <a:lstStyle/>
+          <a:p>
+            <a:pPr marL="0" indent="0">
+              <a:buNone/>
+            </a:pPr>
+            <a:endParaRPr lang="pl-PL" dirty="0"/>
+          </a:p>
+          <a:p>
+            <a:pPr marL="0" indent="0">
+              <a:buNone/>
+            </a:pPr>
+            <a:endParaRPr lang="pl-PL" dirty="0"/>
+          </a:p>
+          <a:p>
+            <a:pPr marL="0" indent="0">
+              <a:buNone/>
+            </a:pPr>
+            <a:endParaRPr lang="pl-PL" altLang="en-PL" dirty="0"/>
+          </a:p>
+          <a:p>
+            <a:pPr marL="0" indent="0">
+              <a:buNone/>
+            </a:pPr>
+            <a:endParaRPr lang="pl-PL" altLang="en-PL" dirty="0"/>
+          </a:p>
+          <a:p>
+            <a:pPr marL="0" indent="0">
+              <a:buNone/>
+            </a:pPr>
+            <a:endParaRPr lang="pl-PL" altLang="en-PL" dirty="0"/>
+          </a:p>
+          <a:p>
+            <a:pPr marL="0" indent="0">
+              <a:buNone/>
+            </a:pPr>
+            <a:endParaRPr lang="pl-PL" altLang="en-PL" dirty="0"/>
+          </a:p>
+          <a:p>
+            <a:pPr marL="0" indent="0">
+              <a:buNone/>
+            </a:pPr>
+            <a:endParaRPr lang="pl-PL" altLang="en-PL" dirty="0"/>
+          </a:p>
+          <a:p>
+            <a:pPr marL="0" indent="0">
+              <a:buNone/>
+            </a:pPr>
+            <a:endParaRPr lang="pl-PL" altLang="en-PL" dirty="0"/>
+          </a:p>
+          <a:p>
+            <a:pPr marL="0" indent="0">
+              <a:buNone/>
+            </a:pPr>
+            <a:endParaRPr lang="pl-PL" altLang="en-PL" dirty="0"/>
+          </a:p>
+          <a:p>
+            <a:pPr marL="0" indent="0">
+              <a:buNone/>
+            </a:pPr>
+            <a:endParaRPr lang="pl-PL" altLang="en-PL" dirty="0"/>
+          </a:p>
+          <a:p>
+            <a:pPr marL="0" indent="0">
+              <a:buNone/>
+            </a:pPr>
+            <a:endParaRPr lang="pl-PL" altLang="en-PL" dirty="0"/>
+          </a:p>
+          <a:p>
+            <a:pPr>
+              <a:buFontTx/>
+              <a:buChar char="-"/>
+            </a:pPr>
+            <a:endParaRPr lang="pl-PL" altLang="en-PL" dirty="0"/>
+          </a:p>
+          <a:p>
+            <a:pPr marL="0" indent="0">
+              <a:buNone/>
+            </a:pPr>
+            <a:endParaRPr lang="pl-PL" altLang="en-PL" dirty="0"/>
+          </a:p>
+          <a:p>
+            <a:pPr>
+              <a:buFontTx/>
+              <a:buChar char="-"/>
+            </a:pPr>
+            <a:endParaRPr lang="pl-PL" altLang="en-PL" dirty="0"/>
+          </a:p>
+          <a:p>
+            <a:pPr>
+              <a:buFontTx/>
+              <a:buChar char="-"/>
+            </a:pPr>
+            <a:endParaRPr lang="pl-PL" altLang="en-PL" dirty="0"/>
+          </a:p>
+          <a:p>
+            <a:pPr marL="0" indent="0">
+              <a:buNone/>
+            </a:pPr>
+            <a:endParaRPr lang="en-PL" altLang="en-PL" dirty="0"/>
+          </a:p>
+          <a:p>
+            <a:pPr>
+              <a:buFontTx/>
+              <a:buChar char="-"/>
+            </a:pPr>
+            <a:endParaRPr lang="en-PL" altLang="en-PL" dirty="0"/>
+          </a:p>
+        </p:txBody>
+      </p:sp>
+      <p:sp>
+        <p:nvSpPr>
+          <p:cNvPr id="14340" name="Symbol zastępczy tekstu 3">
+            <a:extLst>
+              <a:ext uri="{FF2B5EF4-FFF2-40B4-BE49-F238E27FC236}">
+                <a16:creationId xmlns:a16="http://schemas.microsoft.com/office/drawing/2014/main" id="{9DB6F90B-FF05-A640-BDE1-4B0DEAFAA437}"/>
+              </a:ext>
+            </a:extLst>
+          </p:cNvPr>
+          <p:cNvSpPr>
+            <a:spLocks noGrp="1"/>
+          </p:cNvSpPr>
+          <p:nvPr>
+            <p:ph type="body" idx="11"/>
+          </p:nvPr>
+        </p:nvSpPr>
+        <p:spPr>
+          <a:xfrm>
+            <a:off x="739713" y="333028"/>
+            <a:ext cx="8285163" cy="863600"/>
+          </a:xfrm>
+        </p:spPr>
+        <p:txBody>
+          <a:bodyPr/>
+          <a:lstStyle/>
+          <a:p>
+            <a:r>
+              <a:rPr lang="en-PL" sz="3200" dirty="0"/>
+              <a:t>Wczytanie danych historycznych</a:t>
+            </a:r>
+          </a:p>
+        </p:txBody>
+      </p:sp>
+      <p:pic>
+        <p:nvPicPr>
+          <p:cNvPr id="2" name="Picture 1">
+            <a:extLst>
+              <a:ext uri="{FF2B5EF4-FFF2-40B4-BE49-F238E27FC236}">
+                <a16:creationId xmlns:a16="http://schemas.microsoft.com/office/drawing/2014/main" id="{793F2B37-2077-F745-AAC6-72576C366C3A}"/>
+              </a:ext>
+            </a:extLst>
+          </p:cNvPr>
+          <p:cNvPicPr>
+            <a:picLocks noChangeAspect="1"/>
+          </p:cNvPicPr>
+          <p:nvPr/>
+        </p:nvPicPr>
+        <p:blipFill>
+          <a:blip r:embed="rId2"/>
+          <a:stretch>
+            <a:fillRect/>
+          </a:stretch>
+        </p:blipFill>
+        <p:spPr>
+          <a:xfrm>
+            <a:off x="1912812" y="1340768"/>
+            <a:ext cx="5938964" cy="4689851"/>
+          </a:xfrm>
+          <a:prstGeom prst="rect">
+            <a:avLst/>
+          </a:prstGeom>
+        </p:spPr>
+      </p:pic>
+    </p:spTree>
+    <p:extLst>
+      <p:ext uri="{BB962C8B-B14F-4D97-AF65-F5344CB8AC3E}">
+        <p14:creationId xmlns:p14="http://schemas.microsoft.com/office/powerpoint/2010/main" val="788999716"/>
       </p:ext>
     </p:extLst>
   </p:cSld>
@@ -7806,23 +7806,21 @@
           <a:p>
             <a:r>
               <a:rPr lang="en-PL" sz="3200" dirty="0"/>
-              <a:t>5.1 Wczytanie danych historycznych</a:t>
+              <a:t>Trening modelu</a:t>
             </a:r>
           </a:p>
         </p:txBody>
       </p:sp>
       <p:pic>
         <p:nvPicPr>
-          <p:cNvPr id="2" name="Picture 1">
+          <p:cNvPr id="5" name="Picture 4" descr="A close up of a map&#10;&#10;Description automatically generated">
             <a:extLst>
               <a:ext uri="{FF2B5EF4-FFF2-40B4-BE49-F238E27FC236}">
-                <a16:creationId xmlns:a16="http://schemas.microsoft.com/office/drawing/2014/main" id="{793F2B37-2077-F745-AAC6-72576C366C3A}"/>
+                <a16:creationId xmlns:a16="http://schemas.microsoft.com/office/drawing/2014/main" id="{00673953-57D0-9448-8F67-CF4E9D217BF5}"/>
               </a:ext>
             </a:extLst>
           </p:cNvPr>
-          <p:cNvPicPr>
-            <a:picLocks noChangeAspect="1"/>
-          </p:cNvPicPr>
+          <p:cNvPicPr/>
           <p:nvPr/>
         </p:nvPicPr>
         <p:blipFill>
@@ -7833,8 +7831,8 @@
         </p:blipFill>
         <p:spPr>
           <a:xfrm>
-            <a:off x="1912812" y="1340768"/>
-            <a:ext cx="5938964" cy="4689851"/>
+            <a:off x="1694180" y="1365121"/>
+            <a:ext cx="5755640" cy="5063490"/>
           </a:xfrm>
           <a:prstGeom prst="rect">
             <a:avLst/>
@@ -7844,7 +7842,7 @@
     </p:spTree>
     <p:extLst>
       <p:ext uri="{BB962C8B-B14F-4D97-AF65-F5344CB8AC3E}">
-        <p14:creationId xmlns:p14="http://schemas.microsoft.com/office/powerpoint/2010/main" val="788999716"/>
+        <p14:creationId xmlns:p14="http://schemas.microsoft.com/office/powerpoint/2010/main" val="3501634370"/>
       </p:ext>
     </p:extLst>
   </p:cSld>
@@ -8035,17 +8033,17 @@
           <a:p>
             <a:r>
               <a:rPr lang="en-PL" sz="3200" dirty="0"/>
-              <a:t>5.2 Trening modelu</a:t>
+              <a:t>Walidacja modelu</a:t>
             </a:r>
           </a:p>
         </p:txBody>
       </p:sp>
       <p:pic>
         <p:nvPicPr>
-          <p:cNvPr id="5" name="Picture 4" descr="A close up of a map&#10;&#10;Description automatically generated">
+          <p:cNvPr id="6" name="Picture 5" descr="A screenshot of a cell phone&#10;&#10;Description automatically generated">
             <a:extLst>
               <a:ext uri="{FF2B5EF4-FFF2-40B4-BE49-F238E27FC236}">
-                <a16:creationId xmlns:a16="http://schemas.microsoft.com/office/drawing/2014/main" id="{00673953-57D0-9448-8F67-CF4E9D217BF5}"/>
+                <a16:creationId xmlns:a16="http://schemas.microsoft.com/office/drawing/2014/main" id="{945B23CB-5FA9-3B43-AF46-F0EF3869FB0D}"/>
               </a:ext>
             </a:extLst>
           </p:cNvPr>
@@ -8053,15 +8051,21 @@
           <p:nvPr/>
         </p:nvPicPr>
         <p:blipFill>
-          <a:blip r:embed="rId2"/>
+          <a:blip r:embed="rId2">
+            <a:extLst>
+              <a:ext uri="{28A0092B-C50C-407E-A947-70E740481C1C}">
+                <a14:useLocalDpi xmlns:a14="http://schemas.microsoft.com/office/drawing/2010/main" val="0"/>
+              </a:ext>
+            </a:extLst>
+          </a:blip>
           <a:stretch>
             <a:fillRect/>
           </a:stretch>
         </p:blipFill>
         <p:spPr>
           <a:xfrm>
-            <a:off x="1694180" y="1365121"/>
-            <a:ext cx="5755640" cy="5063490"/>
+            <a:off x="1835696" y="1181288"/>
+            <a:ext cx="5755640" cy="5431155"/>
           </a:xfrm>
           <a:prstGeom prst="rect">
             <a:avLst/>
@@ -8071,7 +8075,7 @@
     </p:spTree>
     <p:extLst>
       <p:ext uri="{BB962C8B-B14F-4D97-AF65-F5344CB8AC3E}">
-        <p14:creationId xmlns:p14="http://schemas.microsoft.com/office/powerpoint/2010/main" val="3501634370"/>
+        <p14:creationId xmlns:p14="http://schemas.microsoft.com/office/powerpoint/2010/main" val="3507324208"/>
       </p:ext>
     </p:extLst>
   </p:cSld>
@@ -8260,19 +8264,16 @@
           <a:bodyPr/>
           <a:lstStyle/>
           <a:p>
-            <a:r>
-              <a:rPr lang="en-PL" sz="3200" dirty="0"/>
-              <a:t>5.3 Walidacja modelu</a:t>
-            </a:r>
+            <a:endParaRPr lang="en-PL" sz="3200" dirty="0"/>
           </a:p>
         </p:txBody>
       </p:sp>
       <p:pic>
         <p:nvPicPr>
-          <p:cNvPr id="6" name="Picture 5" descr="A screenshot of a cell phone&#10;&#10;Description automatically generated">
+          <p:cNvPr id="6" name="Picture 5" descr="A screenshot of text&#10;&#10;Description automatically generated">
             <a:extLst>
               <a:ext uri="{FF2B5EF4-FFF2-40B4-BE49-F238E27FC236}">
-                <a16:creationId xmlns:a16="http://schemas.microsoft.com/office/drawing/2014/main" id="{945B23CB-5FA9-3B43-AF46-F0EF3869FB0D}"/>
+                <a16:creationId xmlns:a16="http://schemas.microsoft.com/office/drawing/2014/main" id="{9368C86F-2E35-EC4F-A008-F59CDCF3232D}"/>
               </a:ext>
             </a:extLst>
           </p:cNvPr>
@@ -8293,7 +8294,7 @@
         </p:blipFill>
         <p:spPr>
           <a:xfrm>
-            <a:off x="1835696" y="1181288"/>
+            <a:off x="1763688" y="908720"/>
             <a:ext cx="5755640" cy="5431155"/>
           </a:xfrm>
           <a:prstGeom prst="rect">
@@ -8304,7 +8305,7 @@
     </p:spTree>
     <p:extLst>
       <p:ext uri="{BB962C8B-B14F-4D97-AF65-F5344CB8AC3E}">
-        <p14:creationId xmlns:p14="http://schemas.microsoft.com/office/powerpoint/2010/main" val="3507324208"/>
+        <p14:creationId xmlns:p14="http://schemas.microsoft.com/office/powerpoint/2010/main" val="3142797537"/>
       </p:ext>
     </p:extLst>
   </p:cSld>
@@ -8353,23 +8354,92 @@
         <p:spPr>
           <a:xfrm>
             <a:off x="755650" y="1268760"/>
-            <a:ext cx="8262938" cy="5256212"/>
+            <a:ext cx="8388350" cy="5256212"/>
           </a:xfrm>
         </p:spPr>
         <p:txBody>
           <a:bodyPr/>
           <a:lstStyle/>
           <a:p>
-            <a:pPr marL="0" indent="0">
-              <a:buNone/>
-            </a:pPr>
-            <a:endParaRPr lang="pl-PL" dirty="0"/>
-          </a:p>
-          <a:p>
-            <a:pPr marL="0" indent="0">
-              <a:buNone/>
-            </a:pPr>
-            <a:endParaRPr lang="pl-PL" dirty="0"/>
+            <a:pPr>
+              <a:buFontTx/>
+              <a:buChar char="-"/>
+            </a:pPr>
+            <a:r>
+              <a:rPr lang="pl-PL" altLang="en-PL" dirty="0"/>
+              <a:t>Zwiększenie zbioru danych uczących (model przeuczony),</a:t>
+            </a:r>
+          </a:p>
+          <a:p>
+            <a:pPr>
+              <a:buFontTx/>
+              <a:buChar char="-"/>
+            </a:pPr>
+            <a:r>
+              <a:rPr lang="pl-PL" altLang="en-PL" dirty="0"/>
+              <a:t>Dodanie dodatkowych zmiennych,</a:t>
+            </a:r>
+          </a:p>
+          <a:p>
+            <a:pPr>
+              <a:buFontTx/>
+              <a:buChar char="-"/>
+            </a:pPr>
+            <a:r>
+              <a:rPr lang="pl-PL" altLang="en-PL" dirty="0"/>
+              <a:t>Zwiększenie progu zadziałania lub zaprojektowanie algorytmu podejmującego decyzję,</a:t>
+            </a:r>
+          </a:p>
+          <a:p>
+            <a:pPr>
+              <a:buFontTx/>
+              <a:buChar char="-"/>
+            </a:pPr>
+            <a:r>
+              <a:rPr lang="pl-PL" altLang="en-PL" dirty="0"/>
+              <a:t>”Odchudzenie modelu” po treningu (przycięcie połączeń, kwantyzacja parametrów),</a:t>
+            </a:r>
+          </a:p>
+          <a:p>
+            <a:pPr>
+              <a:buFontTx/>
+              <a:buChar char="-"/>
+            </a:pPr>
+            <a:r>
+              <a:rPr lang="pl-PL" altLang="en-PL" dirty="0"/>
+              <a:t>Przeniesienie modelu do bardziej wydajnego środowiska (C++, Java),</a:t>
+            </a:r>
+          </a:p>
+          <a:p>
+            <a:pPr>
+              <a:buFontTx/>
+              <a:buChar char="-"/>
+            </a:pPr>
+            <a:r>
+              <a:rPr lang="pl-PL" altLang="en-PL" dirty="0"/>
+              <a:t>Zaprojektowanie odpowiedniej infrastruktury informatycznej,</a:t>
+            </a:r>
+          </a:p>
+          <a:p>
+            <a:pPr marL="0" indent="0">
+              <a:buNone/>
+            </a:pPr>
+            <a:endParaRPr lang="pl-PL" altLang="en-PL" dirty="0"/>
+          </a:p>
+          <a:p>
+            <a:pPr marL="0" indent="0">
+              <a:buNone/>
+            </a:pPr>
+            <a:r>
+              <a:rPr lang="pl-PL" altLang="en-PL" dirty="0"/>
+              <a:t> </a:t>
+            </a:r>
+          </a:p>
+          <a:p>
+            <a:pPr marL="0" indent="0">
+              <a:buNone/>
+            </a:pPr>
+            <a:endParaRPr lang="pl-PL" altLang="en-PL" dirty="0"/>
           </a:p>
           <a:p>
             <a:pPr marL="0" indent="0">
@@ -8493,48 +8563,17 @@
           <a:bodyPr/>
           <a:lstStyle/>
           <a:p>
-            <a:endParaRPr lang="en-PL" sz="3200" dirty="0"/>
+            <a:r>
+              <a:rPr lang="en-PL" sz="4000" dirty="0"/>
+              <a:t>6. Usprawnienia</a:t>
+            </a:r>
           </a:p>
         </p:txBody>
       </p:sp>
-      <p:pic>
-        <p:nvPicPr>
-          <p:cNvPr id="5" name="Picture 4" descr="A close up of text on a white background&#10;&#10;Description automatically generated">
-            <a:extLst>
-              <a:ext uri="{FF2B5EF4-FFF2-40B4-BE49-F238E27FC236}">
-                <a16:creationId xmlns:a16="http://schemas.microsoft.com/office/drawing/2014/main" id="{86954400-0BF2-B94F-8466-90E8DB7B56DE}"/>
-              </a:ext>
-            </a:extLst>
-          </p:cNvPr>
-          <p:cNvPicPr/>
-          <p:nvPr/>
-        </p:nvPicPr>
-        <p:blipFill>
-          <a:blip r:embed="rId2">
-            <a:extLst>
-              <a:ext uri="{28A0092B-C50C-407E-A947-70E740481C1C}">
-                <a14:useLocalDpi xmlns:a14="http://schemas.microsoft.com/office/drawing/2010/main" val="0"/>
-              </a:ext>
-            </a:extLst>
-          </a:blip>
-          <a:stretch>
-            <a:fillRect/>
-          </a:stretch>
-        </p:blipFill>
-        <p:spPr>
-          <a:xfrm>
-            <a:off x="1835696" y="764828"/>
-            <a:ext cx="5755640" cy="5431155"/>
-          </a:xfrm>
-          <a:prstGeom prst="rect">
-            <a:avLst/>
-          </a:prstGeom>
-        </p:spPr>
-      </p:pic>
     </p:spTree>
     <p:extLst>
       <p:ext uri="{BB962C8B-B14F-4D97-AF65-F5344CB8AC3E}">
-        <p14:creationId xmlns:p14="http://schemas.microsoft.com/office/powerpoint/2010/main" val="3299297252"/>
+        <p14:creationId xmlns:p14="http://schemas.microsoft.com/office/powerpoint/2010/main" val="960438977"/>
       </p:ext>
     </p:extLst>
   </p:cSld>
@@ -8583,23 +8622,91 @@
         <p:spPr>
           <a:xfrm>
             <a:off x="755650" y="1268760"/>
-            <a:ext cx="8262938" cy="5256212"/>
+            <a:ext cx="8388350" cy="5256212"/>
           </a:xfrm>
         </p:spPr>
         <p:txBody>
           <a:bodyPr/>
           <a:lstStyle/>
           <a:p>
-            <a:pPr marL="0" indent="0">
-              <a:buNone/>
-            </a:pPr>
-            <a:endParaRPr lang="pl-PL" dirty="0"/>
-          </a:p>
-          <a:p>
-            <a:pPr marL="0" indent="0">
-              <a:buNone/>
-            </a:pPr>
-            <a:endParaRPr lang="pl-PL" dirty="0"/>
+            <a:pPr>
+              <a:buFontTx/>
+              <a:buChar char="-"/>
+            </a:pPr>
+            <a:r>
+              <a:rPr lang="pl-PL" altLang="en-PL" dirty="0"/>
+              <a:t>Algorytm jako uzupełnienie istniejących metod kontroli stanu warystorów,</a:t>
+            </a:r>
+          </a:p>
+          <a:p>
+            <a:pPr>
+              <a:buFontTx/>
+              <a:buChar char="-"/>
+            </a:pPr>
+            <a:r>
+              <a:rPr lang="pl-PL" altLang="en-PL" dirty="0"/>
+              <a:t>Nakład inwestycyjny,</a:t>
+            </a:r>
+          </a:p>
+          <a:p>
+            <a:pPr>
+              <a:buFontTx/>
+              <a:buChar char="-"/>
+            </a:pPr>
+            <a:r>
+              <a:rPr lang="pl-PL" altLang="en-PL" dirty="0"/>
+              <a:t>Korzyści długoterminowe,</a:t>
+            </a:r>
+          </a:p>
+          <a:p>
+            <a:pPr>
+              <a:buFontTx/>
+              <a:buChar char="-"/>
+            </a:pPr>
+            <a:r>
+              <a:rPr lang="pl-PL" altLang="en-PL" dirty="0"/>
+              <a:t>Wysokie możliwości adaptacyjne,</a:t>
+            </a:r>
+          </a:p>
+          <a:p>
+            <a:pPr>
+              <a:buFontTx/>
+              <a:buChar char="-"/>
+            </a:pPr>
+            <a:endParaRPr lang="pl-PL" altLang="en-PL" dirty="0"/>
+          </a:p>
+          <a:p>
+            <a:pPr marL="0" indent="0">
+              <a:buNone/>
+            </a:pPr>
+            <a:endParaRPr lang="pl-PL" altLang="en-PL" dirty="0"/>
+          </a:p>
+          <a:p>
+            <a:pPr marL="514350" indent="-514350">
+              <a:buAutoNum type="arabicPeriod"/>
+            </a:pPr>
+            <a:endParaRPr lang="pl-PL" altLang="en-PL" dirty="0"/>
+          </a:p>
+          <a:p>
+            <a:pPr marL="0" indent="0">
+              <a:buNone/>
+            </a:pPr>
+            <a:endParaRPr lang="pl-PL" altLang="en-PL" dirty="0"/>
+          </a:p>
+          <a:p>
+            <a:pPr marL="0" indent="0">
+              <a:buNone/>
+            </a:pPr>
+            <a:r>
+              <a:rPr lang="pl-PL" altLang="en-PL" dirty="0"/>
+              <a:t> </a:t>
+            </a:r>
+          </a:p>
+          <a:p>
+            <a:pPr marL="0" indent="0">
+              <a:buNone/>
+            </a:pPr>
+            <a:endParaRPr lang="pl-PL" altLang="en-PL" dirty="0"/>
           </a:p>
           <a:p>
             <a:pPr marL="0" indent="0">
@@ -8723,48 +8830,17 @@
           <a:bodyPr/>
           <a:lstStyle/>
           <a:p>
-            <a:endParaRPr lang="en-PL" sz="3200" dirty="0"/>
+            <a:r>
+              <a:rPr lang="en-PL" sz="4000" dirty="0"/>
+              <a:t>7. Wnioski</a:t>
+            </a:r>
           </a:p>
         </p:txBody>
       </p:sp>
-      <p:pic>
-        <p:nvPicPr>
-          <p:cNvPr id="6" name="Picture 5" descr="A screenshot of text&#10;&#10;Description automatically generated">
-            <a:extLst>
-              <a:ext uri="{FF2B5EF4-FFF2-40B4-BE49-F238E27FC236}">
-                <a16:creationId xmlns:a16="http://schemas.microsoft.com/office/drawing/2014/main" id="{9368C86F-2E35-EC4F-A008-F59CDCF3232D}"/>
-              </a:ext>
-            </a:extLst>
-          </p:cNvPr>
-          <p:cNvPicPr/>
-          <p:nvPr/>
-        </p:nvPicPr>
-        <p:blipFill>
-          <a:blip r:embed="rId2">
-            <a:extLst>
-              <a:ext uri="{28A0092B-C50C-407E-A947-70E740481C1C}">
-                <a14:useLocalDpi xmlns:a14="http://schemas.microsoft.com/office/drawing/2010/main" val="0"/>
-              </a:ext>
-            </a:extLst>
-          </a:blip>
-          <a:stretch>
-            <a:fillRect/>
-          </a:stretch>
-        </p:blipFill>
-        <p:spPr>
-          <a:xfrm>
-            <a:off x="1907704" y="799716"/>
-            <a:ext cx="5755640" cy="5431155"/>
-          </a:xfrm>
-          <a:prstGeom prst="rect">
-            <a:avLst/>
-          </a:prstGeom>
-        </p:spPr>
-      </p:pic>
     </p:spTree>
     <p:extLst>
       <p:ext uri="{BB962C8B-B14F-4D97-AF65-F5344CB8AC3E}">
-        <p14:creationId xmlns:p14="http://schemas.microsoft.com/office/powerpoint/2010/main" val="3142797537"/>
+        <p14:creationId xmlns:p14="http://schemas.microsoft.com/office/powerpoint/2010/main" val="695697452"/>
       </p:ext>
     </p:extLst>
   </p:cSld>
@@ -8812,7 +8888,7 @@
         </p:nvSpPr>
         <p:spPr>
           <a:xfrm>
-            <a:off x="755650" y="1268760"/>
+            <a:off x="631974" y="1268760"/>
             <a:ext cx="8388350" cy="5256212"/>
           </a:xfrm>
         </p:spPr>
@@ -8820,128 +8896,62 @@
           <a:bodyPr/>
           <a:lstStyle/>
           <a:p>
-            <a:pPr>
-              <a:buFontTx/>
-              <a:buChar char="-"/>
-            </a:pPr>
-            <a:r>
-              <a:rPr lang="pl-PL" altLang="en-PL" dirty="0"/>
-              <a:t>Problem danych uczących,</a:t>
-            </a:r>
-          </a:p>
-          <a:p>
-            <a:pPr>
-              <a:buFontTx/>
-              <a:buChar char="-"/>
-            </a:pPr>
-            <a:r>
-              <a:rPr lang="pl-PL" altLang="en-PL" dirty="0"/>
-              <a:t>Czas działania algorytmu,</a:t>
-            </a:r>
-          </a:p>
-          <a:p>
-            <a:pPr>
-              <a:buFontTx/>
-              <a:buChar char="-"/>
-            </a:pPr>
-            <a:r>
-              <a:rPr lang="pl-PL" altLang="en-PL" dirty="0"/>
-              <a:t>Infrastruktura informatyczna,</a:t>
-            </a:r>
-          </a:p>
-          <a:p>
-            <a:pPr>
-              <a:buFontTx/>
-              <a:buChar char="-"/>
-            </a:pPr>
-            <a:r>
-              <a:rPr lang="pl-PL" altLang="en-PL" dirty="0"/>
-              <a:t>Model jako uzupełnienie istniejących metod kontroli warystorów</a:t>
-            </a:r>
-          </a:p>
-          <a:p>
-            <a:pPr>
-              <a:buFontTx/>
-              <a:buChar char="-"/>
-            </a:pPr>
-            <a:r>
-              <a:rPr lang="pl-PL" altLang="en-PL" dirty="0"/>
-              <a:t>Nakład inwestycyjny,</a:t>
-            </a:r>
-          </a:p>
-          <a:p>
-            <a:pPr>
-              <a:buFontTx/>
-              <a:buChar char="-"/>
-            </a:pPr>
-            <a:r>
-              <a:rPr lang="pl-PL" altLang="en-PL" dirty="0"/>
-              <a:t>Korzyści długoterminowe</a:t>
-            </a:r>
-          </a:p>
-          <a:p>
-            <a:pPr>
-              <a:buFontTx/>
-              <a:buChar char="-"/>
-            </a:pPr>
-            <a:endParaRPr lang="pl-PL" altLang="en-PL" dirty="0"/>
-          </a:p>
-          <a:p>
-            <a:pPr marL="0" indent="0">
-              <a:buNone/>
-            </a:pPr>
-            <a:endParaRPr lang="pl-PL" altLang="en-PL" dirty="0"/>
-          </a:p>
-          <a:p>
-            <a:pPr marL="514350" indent="-514350">
-              <a:buAutoNum type="arabicPeriod"/>
-            </a:pPr>
-            <a:endParaRPr lang="pl-PL" altLang="en-PL" dirty="0"/>
-          </a:p>
-          <a:p>
-            <a:pPr marL="0" indent="0">
-              <a:buNone/>
-            </a:pPr>
-            <a:endParaRPr lang="pl-PL" altLang="en-PL" dirty="0"/>
-          </a:p>
-          <a:p>
-            <a:pPr marL="0" indent="0">
-              <a:buNone/>
-            </a:pPr>
-            <a:r>
-              <a:rPr lang="pl-PL" altLang="en-PL" dirty="0"/>
-              <a:t> </a:t>
-            </a:r>
-          </a:p>
-          <a:p>
-            <a:pPr marL="0" indent="0">
-              <a:buNone/>
-            </a:pPr>
-            <a:endParaRPr lang="pl-PL" altLang="en-PL" dirty="0"/>
-          </a:p>
-          <a:p>
-            <a:pPr marL="0" indent="0">
-              <a:buNone/>
-            </a:pPr>
-            <a:endParaRPr lang="pl-PL" altLang="en-PL" dirty="0"/>
-          </a:p>
-          <a:p>
-            <a:pPr marL="0" indent="0">
-              <a:buNone/>
-            </a:pPr>
-            <a:endParaRPr lang="pl-PL" altLang="en-PL" dirty="0"/>
-          </a:p>
-          <a:p>
-            <a:pPr marL="0" indent="0">
-              <a:buNone/>
-            </a:pPr>
-            <a:endParaRPr lang="pl-PL" altLang="en-PL" dirty="0"/>
-          </a:p>
-          <a:p>
-            <a:pPr marL="0" indent="0">
-              <a:buNone/>
-            </a:pPr>
-            <a:endParaRPr lang="pl-PL" altLang="en-PL" dirty="0"/>
+            <a:pPr marL="0" indent="0" algn="ctr">
+              <a:buNone/>
+            </a:pPr>
+            <a:endParaRPr lang="pl-PL" altLang="en-PL" dirty="0"/>
+          </a:p>
+          <a:p>
+            <a:pPr marL="0" indent="0" algn="ctr">
+              <a:buNone/>
+            </a:pPr>
+            <a:r>
+              <a:rPr lang="pl-PL" altLang="en-PL" sz="4400" dirty="0"/>
+              <a:t>Dziękuję za uwagę</a:t>
+            </a:r>
+          </a:p>
+          <a:p>
+            <a:pPr marL="0" indent="0">
+              <a:buNone/>
+            </a:pPr>
+            <a:endParaRPr lang="pl-PL" altLang="en-PL" dirty="0"/>
+          </a:p>
+          <a:p>
+            <a:pPr marL="0" indent="0">
+              <a:buNone/>
+            </a:pPr>
+            <a:endParaRPr lang="pl-PL" altLang="en-PL" dirty="0"/>
+          </a:p>
+          <a:p>
+            <a:pPr marL="0" indent="0">
+              <a:buNone/>
+            </a:pPr>
+            <a:endParaRPr lang="pl-PL" altLang="en-PL" dirty="0"/>
+          </a:p>
+          <a:p>
+            <a:pPr marL="0" indent="0" algn="ctr">
+              <a:buNone/>
+            </a:pPr>
+            <a:r>
+              <a:rPr lang="pl-PL" sz="2400" u="sng" dirty="0">
+                <a:solidFill>
+                  <a:srgbClr val="0070C0"/>
+                </a:solidFill>
+                <a:hlinkClick r:id="rId2">
+                  <a:extLst>
+                    <a:ext uri="{A12FA001-AC4F-418D-AE19-62706E023703}">
+                      <ahyp:hlinkClr xmlns:ahyp="http://schemas.microsoft.com/office/drawing/2018/hyperlinkcolor" val="tx"/>
+                    </a:ext>
+                  </a:extLst>
+                </a:hlinkClick>
+              </a:rPr>
+              <a:t>https://github.com/r-zareba/praca_inzynierska</a:t>
+            </a:r>
+            <a:endParaRPr lang="en-PL" sz="2400" dirty="0">
+              <a:solidFill>
+                <a:srgbClr val="0070C0"/>
+              </a:solidFill>
+            </a:endParaRPr>
           </a:p>
           <a:p>
             <a:pPr marL="0" indent="0">
@@ -9033,7 +9043,7 @@
         </p:nvSpPr>
         <p:spPr>
           <a:xfrm>
-            <a:off x="739713" y="333028"/>
+            <a:off x="683568" y="100292"/>
             <a:ext cx="8285163" cy="863600"/>
           </a:xfrm>
         </p:spPr>
@@ -9041,17 +9051,14 @@
           <a:bodyPr/>
           <a:lstStyle/>
           <a:p>
-            <a:r>
-              <a:rPr lang="en-PL" sz="4000" dirty="0"/>
-              <a:t>6. Wnioski</a:t>
-            </a:r>
+            <a:endParaRPr lang="en-PL" sz="4000" dirty="0"/>
           </a:p>
         </p:txBody>
       </p:sp>
     </p:spTree>
     <p:extLst>
       <p:ext uri="{BB962C8B-B14F-4D97-AF65-F5344CB8AC3E}">
-        <p14:creationId xmlns:p14="http://schemas.microsoft.com/office/powerpoint/2010/main" val="960438977"/>
+        <p14:creationId xmlns:p14="http://schemas.microsoft.com/office/powerpoint/2010/main" val="2025719023"/>
       </p:ext>
     </p:extLst>
   </p:cSld>
@@ -9157,7 +9164,16 @@
             </a:pPr>
             <a:r>
               <a:rPr lang="pl-PL" altLang="en-PL" dirty="0"/>
-              <a:t>6. Wnioski</a:t>
+              <a:t>6. Usprawnienia</a:t>
+            </a:r>
+          </a:p>
+          <a:p>
+            <a:pPr marL="0" indent="0">
+              <a:buNone/>
+            </a:pPr>
+            <a:r>
+              <a:rPr lang="pl-PL" altLang="en-PL" dirty="0"/>
+              <a:t>7. Wnioski</a:t>
             </a:r>
           </a:p>
           <a:p>
@@ -9219,224 +9235,6 @@
     <p:extLst>
       <p:ext uri="{BB962C8B-B14F-4D97-AF65-F5344CB8AC3E}">
         <p14:creationId xmlns:p14="http://schemas.microsoft.com/office/powerpoint/2010/main" val="1374502232"/>
-      </p:ext>
-    </p:extLst>
-  </p:cSld>
-  <p:clrMapOvr>
-    <a:masterClrMapping/>
-  </p:clrMapOvr>
-  <p:transition>
-    <p:randomBar/>
-  </p:transition>
-</p:sld>
-</file>
-
-<file path=ppt/slides/slide20.xml><?xml version="1.0" encoding="utf-8"?>
-<p:sld xmlns:a="http://schemas.openxmlformats.org/drawingml/2006/main" xmlns:r="http://schemas.openxmlformats.org/officeDocument/2006/relationships" xmlns:p="http://schemas.openxmlformats.org/presentationml/2006/main">
-  <p:cSld>
-    <p:spTree>
-      <p:nvGrpSpPr>
-        <p:cNvPr id="1" name=""/>
-        <p:cNvGrpSpPr/>
-        <p:nvPr/>
-      </p:nvGrpSpPr>
-      <p:grpSpPr>
-        <a:xfrm>
-          <a:off x="0" y="0"/>
-          <a:ext cx="0" cy="0"/>
-          <a:chOff x="0" y="0"/>
-          <a:chExt cx="0" cy="0"/>
-        </a:xfrm>
-      </p:grpSpPr>
-      <p:sp>
-        <p:nvSpPr>
-          <p:cNvPr id="14338" name="Symbol zastępczy zawartości 1">
-            <a:extLst>
-              <a:ext uri="{FF2B5EF4-FFF2-40B4-BE49-F238E27FC236}">
-                <a16:creationId xmlns:a16="http://schemas.microsoft.com/office/drawing/2014/main" id="{484EB451-4A34-6543-B91C-7EC8B29A3A0B}"/>
-              </a:ext>
-            </a:extLst>
-          </p:cNvPr>
-          <p:cNvSpPr>
-            <a:spLocks noGrp="1"/>
-          </p:cNvSpPr>
-          <p:nvPr>
-            <p:ph sz="half" idx="1"/>
-          </p:nvPr>
-        </p:nvSpPr>
-        <p:spPr>
-          <a:xfrm>
-            <a:off x="631974" y="1268760"/>
-            <a:ext cx="8388350" cy="5256212"/>
-          </a:xfrm>
-        </p:spPr>
-        <p:txBody>
-          <a:bodyPr/>
-          <a:lstStyle/>
-          <a:p>
-            <a:pPr marL="0" indent="0">
-              <a:buNone/>
-            </a:pPr>
-            <a:endParaRPr lang="pl-PL" altLang="en-PL" dirty="0"/>
-          </a:p>
-          <a:p>
-            <a:pPr marL="0" indent="0" algn="ctr">
-              <a:buNone/>
-            </a:pPr>
-            <a:r>
-              <a:rPr lang="pl-PL" altLang="en-PL" sz="4400" dirty="0"/>
-              <a:t>Dziękuję za uwagę</a:t>
-            </a:r>
-          </a:p>
-          <a:p>
-            <a:pPr marL="0" indent="0">
-              <a:buNone/>
-            </a:pPr>
-            <a:endParaRPr lang="pl-PL" altLang="en-PL" dirty="0"/>
-          </a:p>
-          <a:p>
-            <a:pPr marL="0" indent="0">
-              <a:buNone/>
-            </a:pPr>
-            <a:endParaRPr lang="pl-PL" altLang="en-PL" dirty="0"/>
-          </a:p>
-          <a:p>
-            <a:pPr marL="0" indent="0">
-              <a:buNone/>
-            </a:pPr>
-            <a:endParaRPr lang="pl-PL" altLang="en-PL" dirty="0"/>
-          </a:p>
-          <a:p>
-            <a:pPr marL="0" indent="0" algn="ctr">
-              <a:buNone/>
-            </a:pPr>
-            <a:r>
-              <a:rPr lang="pl-PL" sz="2400" u="sng" dirty="0">
-                <a:solidFill>
-                  <a:srgbClr val="0070C0"/>
-                </a:solidFill>
-                <a:hlinkClick r:id="rId2">
-                  <a:extLst>
-                    <a:ext uri="{A12FA001-AC4F-418D-AE19-62706E023703}">
-                      <ahyp:hlinkClr xmlns:ahyp="http://schemas.microsoft.com/office/drawing/2018/hyperlinkcolor" val="tx"/>
-                    </a:ext>
-                  </a:extLst>
-                </a:hlinkClick>
-              </a:rPr>
-              <a:t>https://github.com/r-zareba/praca_inzynierska</a:t>
-            </a:r>
-            <a:endParaRPr lang="en-PL" sz="2400" dirty="0">
-              <a:solidFill>
-                <a:srgbClr val="0070C0"/>
-              </a:solidFill>
-            </a:endParaRPr>
-          </a:p>
-          <a:p>
-            <a:pPr marL="0" indent="0">
-              <a:buNone/>
-            </a:pPr>
-            <a:endParaRPr lang="pl-PL" altLang="en-PL" dirty="0"/>
-          </a:p>
-          <a:p>
-            <a:pPr marL="0" indent="0">
-              <a:buNone/>
-            </a:pPr>
-            <a:endParaRPr lang="pl-PL" altLang="en-PL" dirty="0"/>
-          </a:p>
-          <a:p>
-            <a:pPr marL="0" indent="0">
-              <a:buNone/>
-            </a:pPr>
-            <a:endParaRPr lang="pl-PL" altLang="en-PL" dirty="0"/>
-          </a:p>
-          <a:p>
-            <a:pPr marL="0" indent="0">
-              <a:buNone/>
-            </a:pPr>
-            <a:endParaRPr lang="pl-PL" altLang="en-PL" dirty="0"/>
-          </a:p>
-          <a:p>
-            <a:pPr marL="0" indent="0">
-              <a:buNone/>
-            </a:pPr>
-            <a:endParaRPr lang="pl-PL" altLang="en-PL" dirty="0"/>
-          </a:p>
-          <a:p>
-            <a:pPr>
-              <a:buFontTx/>
-              <a:buChar char="-"/>
-            </a:pPr>
-            <a:endParaRPr lang="pl-PL" altLang="en-PL" dirty="0"/>
-          </a:p>
-          <a:p>
-            <a:pPr marL="0" indent="0">
-              <a:buNone/>
-            </a:pPr>
-            <a:endParaRPr lang="pl-PL" altLang="en-PL" dirty="0"/>
-          </a:p>
-          <a:p>
-            <a:pPr>
-              <a:buFontTx/>
-              <a:buChar char="-"/>
-            </a:pPr>
-            <a:endParaRPr lang="pl-PL" altLang="en-PL" dirty="0"/>
-          </a:p>
-          <a:p>
-            <a:pPr>
-              <a:buFontTx/>
-              <a:buChar char="-"/>
-            </a:pPr>
-            <a:endParaRPr lang="pl-PL" altLang="en-PL" dirty="0"/>
-          </a:p>
-          <a:p>
-            <a:pPr marL="0" indent="0">
-              <a:buNone/>
-            </a:pPr>
-            <a:endParaRPr lang="en-PL" altLang="en-PL" dirty="0"/>
-          </a:p>
-          <a:p>
-            <a:pPr>
-              <a:buFontTx/>
-              <a:buChar char="-"/>
-            </a:pPr>
-            <a:endParaRPr lang="en-PL" altLang="en-PL" dirty="0"/>
-          </a:p>
-        </p:txBody>
-      </p:sp>
-      <p:sp>
-        <p:nvSpPr>
-          <p:cNvPr id="14340" name="Symbol zastępczy tekstu 3">
-            <a:extLst>
-              <a:ext uri="{FF2B5EF4-FFF2-40B4-BE49-F238E27FC236}">
-                <a16:creationId xmlns:a16="http://schemas.microsoft.com/office/drawing/2014/main" id="{9DB6F90B-FF05-A640-BDE1-4B0DEAFAA437}"/>
-              </a:ext>
-            </a:extLst>
-          </p:cNvPr>
-          <p:cNvSpPr>
-            <a:spLocks noGrp="1"/>
-          </p:cNvSpPr>
-          <p:nvPr>
-            <p:ph type="body" idx="11"/>
-          </p:nvPr>
-        </p:nvSpPr>
-        <p:spPr>
-          <a:xfrm>
-            <a:off x="683568" y="100292"/>
-            <a:ext cx="8285163" cy="863600"/>
-          </a:xfrm>
-        </p:spPr>
-        <p:txBody>
-          <a:bodyPr/>
-          <a:lstStyle/>
-          <a:p>
-            <a:endParaRPr lang="en-PL" sz="4000" dirty="0"/>
-          </a:p>
-        </p:txBody>
-      </p:sp>
-    </p:spTree>
-    <p:extLst>
-      <p:ext uri="{BB962C8B-B14F-4D97-AF65-F5344CB8AC3E}">
-        <p14:creationId xmlns:p14="http://schemas.microsoft.com/office/powerpoint/2010/main" val="2025719023"/>
       </p:ext>
     </p:extLst>
   </p:cSld>
@@ -10733,34 +10531,12 @@
             <a:pPr marL="0" indent="0">
               <a:buNone/>
             </a:pPr>
-            <a:r>
-              <a:rPr lang="pl-PL" altLang="en-PL" b="1" u="sng" dirty="0"/>
-              <a:t>Sieci neuronowe </a:t>
-            </a:r>
-            <a:r>
-              <a:rPr lang="pl-PL" altLang="en-PL" dirty="0"/>
-              <a:t>- </a:t>
-            </a:r>
-            <a:r>
-              <a:rPr lang="pl-PL" dirty="0"/>
-              <a:t>wyrafinowana technika modelowania, zdolna do odwzorowywania nawet nadzwyczaj złożonych i nieliniowych funkcji.</a:t>
-            </a:r>
-          </a:p>
-          <a:p>
-            <a:pPr marL="0" indent="0">
-              <a:buNone/>
-            </a:pPr>
-            <a:endParaRPr lang="pl-PL" dirty="0"/>
-          </a:p>
-          <a:p>
-            <a:pPr marL="0" indent="0">
-              <a:buNone/>
-            </a:pPr>
-            <a:endParaRPr lang="pl-PL" dirty="0"/>
-          </a:p>
-          <a:p>
-            <a:pPr marL="0" indent="0">
-              <a:buNone/>
+            <a:endParaRPr lang="pl-PL" altLang="en-PL" dirty="0"/>
+          </a:p>
+          <a:p>
+            <a:pPr>
+              <a:buFontTx/>
+              <a:buChar char="-"/>
             </a:pPr>
             <a:endParaRPr lang="pl-PL" altLang="en-PL" dirty="0"/>
           </a:p>
@@ -10881,18 +10657,18 @@
           <a:lstStyle/>
           <a:p>
             <a:r>
-              <a:rPr lang="en-PL" sz="4000" dirty="0"/>
-              <a:t>4. Sztuczne sieci neuronowe</a:t>
+              <a:rPr lang="en-PL" sz="3200" dirty="0"/>
+              <a:t>Degradacja - zmiana współczynnika nieliniowości</a:t>
             </a:r>
           </a:p>
         </p:txBody>
       </p:sp>
       <p:pic>
         <p:nvPicPr>
-          <p:cNvPr id="4" name="Picture 3" descr="A circuit board&#10;&#10;Description automatically generated">
+          <p:cNvPr id="3" name="Picture 2">
             <a:extLst>
               <a:ext uri="{FF2B5EF4-FFF2-40B4-BE49-F238E27FC236}">
-                <a16:creationId xmlns:a16="http://schemas.microsoft.com/office/drawing/2014/main" id="{0F766359-A7E3-DA48-BE41-2B5209F276D2}"/>
+                <a16:creationId xmlns:a16="http://schemas.microsoft.com/office/drawing/2014/main" id="{9CF43B30-E748-1244-965B-56A188DCCDB4}"/>
               </a:ext>
             </a:extLst>
           </p:cNvPr>
@@ -10902,21 +10678,15 @@
           <p:nvPr/>
         </p:nvPicPr>
         <p:blipFill>
-          <a:blip r:embed="rId2">
-            <a:extLst>
-              <a:ext uri="{28A0092B-C50C-407E-A947-70E740481C1C}">
-                <a14:useLocalDpi xmlns:a14="http://schemas.microsoft.com/office/drawing/2010/main" val="0"/>
-              </a:ext>
-            </a:extLst>
-          </a:blip>
+          <a:blip r:embed="rId2"/>
           <a:stretch>
             <a:fillRect/>
           </a:stretch>
         </p:blipFill>
         <p:spPr>
           <a:xfrm>
-            <a:off x="2123728" y="2924944"/>
-            <a:ext cx="5184289" cy="3454032"/>
+            <a:off x="1547664" y="1628800"/>
+            <a:ext cx="6298282" cy="4388848"/>
           </a:xfrm>
           <a:prstGeom prst="rect">
             <a:avLst/>
@@ -10926,7 +10696,7 @@
     </p:spTree>
     <p:extLst>
       <p:ext uri="{BB962C8B-B14F-4D97-AF65-F5344CB8AC3E}">
-        <p14:creationId xmlns:p14="http://schemas.microsoft.com/office/powerpoint/2010/main" val="953412416"/>
+        <p14:creationId xmlns:p14="http://schemas.microsoft.com/office/powerpoint/2010/main" val="3197480618"/>
       </p:ext>
     </p:extLst>
   </p:cSld>
@@ -10985,6 +10755,23 @@
             <a:pPr marL="0" indent="0">
               <a:buNone/>
             </a:pPr>
+            <a:r>
+              <a:rPr lang="pl-PL" altLang="en-PL" b="1" u="sng" dirty="0"/>
+              <a:t>Sieci neuronowe </a:t>
+            </a:r>
+            <a:r>
+              <a:rPr lang="pl-PL" altLang="en-PL" dirty="0"/>
+              <a:t>- </a:t>
+            </a:r>
+            <a:r>
+              <a:rPr lang="pl-PL" dirty="0"/>
+              <a:t>wyrafinowana technika modelowania, zdolna do odwzorowywania nawet nadzwyczaj złożonych i nieliniowych funkcji.</a:t>
+            </a:r>
+          </a:p>
+          <a:p>
+            <a:pPr marL="0" indent="0">
+              <a:buNone/>
+            </a:pPr>
             <a:endParaRPr lang="pl-PL" dirty="0"/>
           </a:p>
           <a:p>
@@ -11116,18 +10903,18 @@
           <a:lstStyle/>
           <a:p>
             <a:r>
-              <a:rPr lang="en-PL" sz="3200" dirty="0"/>
-              <a:t>4.1 Sieci rekurencyjne – praca na sekwencjach</a:t>
+              <a:rPr lang="en-PL" sz="4000" dirty="0"/>
+              <a:t>4. Sztuczne sieci neuronowe</a:t>
             </a:r>
           </a:p>
         </p:txBody>
       </p:sp>
       <p:pic>
         <p:nvPicPr>
-          <p:cNvPr id="3" name="Picture 2" descr="A picture containing clock&#10;&#10;Description automatically generated">
+          <p:cNvPr id="4" name="Picture 3" descr="A circuit board&#10;&#10;Description automatically generated">
             <a:extLst>
               <a:ext uri="{FF2B5EF4-FFF2-40B4-BE49-F238E27FC236}">
-                <a16:creationId xmlns:a16="http://schemas.microsoft.com/office/drawing/2014/main" id="{F6B627E5-3DB0-974A-9566-E2B3C560D441}"/>
+                <a16:creationId xmlns:a16="http://schemas.microsoft.com/office/drawing/2014/main" id="{0F766359-A7E3-DA48-BE41-2B5209F276D2}"/>
               </a:ext>
             </a:extLst>
           </p:cNvPr>
@@ -11150,8 +10937,8 @@
         </p:blipFill>
         <p:spPr>
           <a:xfrm>
-            <a:off x="1727684" y="1944448"/>
-            <a:ext cx="5688632" cy="2969104"/>
+            <a:off x="2123728" y="2924944"/>
+            <a:ext cx="5184289" cy="3454032"/>
           </a:xfrm>
           <a:prstGeom prst="rect">
             <a:avLst/>
@@ -11161,7 +10948,7 @@
     </p:spTree>
     <p:extLst>
       <p:ext uri="{BB962C8B-B14F-4D97-AF65-F5344CB8AC3E}">
-        <p14:creationId xmlns:p14="http://schemas.microsoft.com/office/powerpoint/2010/main" val="1744029893"/>
+        <p14:creationId xmlns:p14="http://schemas.microsoft.com/office/powerpoint/2010/main" val="953412416"/>
       </p:ext>
     </p:extLst>
   </p:cSld>

--- a/238657_prezentacja.pptx
+++ b/238657_prezentacja.pptx
@@ -281,7 +281,7 @@
               <a:pPr>
                 <a:defRPr/>
               </a:pPr>
-              <a:t>06.07.2020</a:t>
+              <a:t>19.07.2020</a:t>
             </a:fld>
             <a:endParaRPr lang="pl-PL"/>
           </a:p>
@@ -499,7 +499,7 @@
               <a:pPr>
                 <a:defRPr/>
               </a:pPr>
-              <a:t>06.07.2020</a:t>
+              <a:t>19.07.2020</a:t>
             </a:fld>
             <a:endParaRPr lang="pl-PL"/>
           </a:p>
@@ -6668,21 +6668,8 @@
             </a:pPr>
             <a:r>
               <a:rPr lang="pl-PL" altLang="en-PL" sz="2400" dirty="0"/>
-              <a:t>          Klasyczna komórka	</a:t>
-            </a:r>
-            <a:r>
-              <a:rPr lang="pl-PL" altLang="en-PL" dirty="0"/>
-              <a:t>	    </a:t>
-            </a:r>
-            <a:r>
-              <a:rPr lang="pl-PL" altLang="en-PL" sz="2400" dirty="0"/>
-              <a:t>Komórka LSTM</a:t>
-            </a:r>
-          </a:p>
-          <a:p>
-            <a:pPr marL="0" indent="0">
-              <a:buNone/>
-            </a:pPr>
+              <a:t>          </a:t>
+            </a:r>
             <a:endParaRPr lang="pl-PL" altLang="en-PL" dirty="0"/>
           </a:p>
           <a:p>
@@ -6774,14 +6761,16 @@
       </p:sp>
       <p:pic>
         <p:nvPicPr>
-          <p:cNvPr id="5" name="Picture 4" descr="A close up of a clock&#10;&#10;Description automatically generated">
+          <p:cNvPr id="3" name="Picture 2" descr="A picture containing clock&#10;&#10;Description automatically generated">
             <a:extLst>
               <a:ext uri="{FF2B5EF4-FFF2-40B4-BE49-F238E27FC236}">
-                <a16:creationId xmlns:a16="http://schemas.microsoft.com/office/drawing/2014/main" id="{AA723C9E-FB19-0448-95BC-AB0CE3FCCD70}"/>
+                <a16:creationId xmlns:a16="http://schemas.microsoft.com/office/drawing/2014/main" id="{410C0AA5-E119-254C-A5B8-A28862B986F8}"/>
               </a:ext>
             </a:extLst>
           </p:cNvPr>
-          <p:cNvPicPr/>
+          <p:cNvPicPr>
+            <a:picLocks noChangeAspect="1"/>
+          </p:cNvPicPr>
           <p:nvPr/>
         </p:nvPicPr>
         <p:blipFill>
@@ -6798,42 +6787,8 @@
         </p:blipFill>
         <p:spPr>
           <a:xfrm>
-            <a:off x="4882294" y="2780928"/>
-            <a:ext cx="3994812" cy="2382520"/>
-          </a:xfrm>
-          <a:prstGeom prst="rect">
-            <a:avLst/>
-          </a:prstGeom>
-        </p:spPr>
-      </p:pic>
-      <p:pic>
-        <p:nvPicPr>
-          <p:cNvPr id="6" name="Picture 5" descr="A close up of a sign&#10;&#10;Description automatically generated">
-            <a:extLst>
-              <a:ext uri="{FF2B5EF4-FFF2-40B4-BE49-F238E27FC236}">
-                <a16:creationId xmlns:a16="http://schemas.microsoft.com/office/drawing/2014/main" id="{EC322EC9-AEA6-B44A-999C-FBFF7647237B}"/>
-              </a:ext>
-            </a:extLst>
-          </p:cNvPr>
-          <p:cNvPicPr/>
-          <p:nvPr/>
-        </p:nvPicPr>
-        <p:blipFill>
-          <a:blip r:embed="rId3">
-            <a:extLst>
-              <a:ext uri="{28A0092B-C50C-407E-A947-70E740481C1C}">
-                <a14:useLocalDpi xmlns:a14="http://schemas.microsoft.com/office/drawing/2010/main" val="0"/>
-              </a:ext>
-            </a:extLst>
-          </a:blip>
-          <a:stretch>
-            <a:fillRect/>
-          </a:stretch>
-        </p:blipFill>
-        <p:spPr>
-          <a:xfrm>
-            <a:off x="755650" y="2780928"/>
-            <a:ext cx="3806190" cy="2382520"/>
+            <a:off x="1979712" y="2708920"/>
+            <a:ext cx="5794452" cy="3024336"/>
           </a:xfrm>
           <a:prstGeom prst="rect">
             <a:avLst/>
@@ -7167,7 +7122,7 @@
             </a:pPr>
             <a:r>
               <a:rPr lang="pl-PL" altLang="en-PL" dirty="0"/>
-              <a:t>Autoenkoder z dwukierunkowymi warstwami LSTM</a:t>
+              <a:t>Autoenkoder z warstwami rekurencyjnymi</a:t>
             </a:r>
           </a:p>
           <a:p>
